--- a/Nicola/merged.pptx
+++ b/Nicola/merged.pptx
@@ -5,7 +5,7 @@
     <p:sldMasterId id="2147483660" r:id="rId1"/>
   </p:sldMasterIdLst>
   <p:notesMasterIdLst>
-    <p:notesMasterId r:id="rId10"/>
+    <p:notesMasterId r:id="rId15"/>
   </p:notesMasterIdLst>
   <p:sldIdLst>
     <p:sldId id="257" r:id="rId2"/>
@@ -16,6 +16,11 @@
     <p:sldId id="283" r:id="rId7"/>
     <p:sldId id="285" r:id="rId8"/>
     <p:sldId id="286" r:id="rId9"/>
+    <p:sldId id="287" r:id="rId10"/>
+    <p:sldId id="288" r:id="rId11"/>
+    <p:sldId id="290" r:id="rId12"/>
+    <p:sldId id="289" r:id="rId13"/>
+    <p:sldId id="291" r:id="rId14"/>
   </p:sldIdLst>
   <p:sldSz cx="12192000" cy="6858000"/>
   <p:notesSz cx="6858000" cy="9144000"/>
@@ -122,6 +127,197 @@
 </p:presentation>
 </file>
 
+<file path=ppt/revisionInfo.xml><?xml version="1.0" encoding="utf-8"?>
+<p1510:revInfo xmlns:a="http://schemas.openxmlformats.org/drawingml/2006/main" xmlns:r="http://schemas.openxmlformats.org/officeDocument/2006/relationships" xmlns:p1510="http://schemas.microsoft.com/office/powerpoint/2015/10/main">
+  <p1510:revLst>
+    <p1510:client id="{CF30D363-2680-4D8E-92B2-86AE9C3157AA}" v="5523" dt="2020-01-05T16:19:22.573"/>
+  </p1510:revLst>
+</p1510:revInfo>
+</file>
+
+<file path=ppt/changesInfos/changesInfo1.xml><?xml version="1.0" encoding="utf-8"?>
+<pc:chgInfo xmlns:a="http://schemas.openxmlformats.org/drawingml/2006/main" xmlns:r="http://schemas.openxmlformats.org/officeDocument/2006/relationships" xmlns:ac="http://schemas.microsoft.com/office/drawing/2013/main/command" xmlns:pc="http://schemas.microsoft.com/office/powerpoint/2013/main/command">
+  <pc:docChgLst>
+    <pc:chgData name="Nicola Kühnert" userId="0bc40bf8682a76f5" providerId="Windows Live" clId="Web-{CF30D363-2680-4D8E-92B2-86AE9C3157AA}"/>
+    <pc:docChg chg="addSld delSld modSld">
+      <pc:chgData name="Nicola Kühnert" userId="0bc40bf8682a76f5" providerId="Windows Live" clId="Web-{CF30D363-2680-4D8E-92B2-86AE9C3157AA}" dt="2020-01-05T16:19:22.573" v="5519" actId="20577"/>
+      <pc:docMkLst>
+        <pc:docMk/>
+      </pc:docMkLst>
+      <pc:sldChg chg="modSp">
+        <pc:chgData name="Nicola Kühnert" userId="0bc40bf8682a76f5" providerId="Windows Live" clId="Web-{CF30D363-2680-4D8E-92B2-86AE9C3157AA}" dt="2020-01-05T11:26:20.610" v="2273" actId="20577"/>
+        <pc:sldMkLst>
+          <pc:docMk/>
+          <pc:sldMk cId="1597989395" sldId="286"/>
+        </pc:sldMkLst>
+        <pc:spChg chg="mod">
+          <ac:chgData name="Nicola Kühnert" userId="0bc40bf8682a76f5" providerId="Windows Live" clId="Web-{CF30D363-2680-4D8E-92B2-86AE9C3157AA}" dt="2020-01-05T11:26:20.610" v="2273" actId="20577"/>
+          <ac:spMkLst>
+            <pc:docMk/>
+            <pc:sldMk cId="1597989395" sldId="286"/>
+            <ac:spMk id="2" creationId="{4F828901-473D-4F55-B3D0-1DDC90FC313C}"/>
+          </ac:spMkLst>
+        </pc:spChg>
+        <pc:spChg chg="mod">
+          <ac:chgData name="Nicola Kühnert" userId="0bc40bf8682a76f5" providerId="Windows Live" clId="Web-{CF30D363-2680-4D8E-92B2-86AE9C3157AA}" dt="2020-01-05T10:51:23.559" v="719" actId="20577"/>
+          <ac:spMkLst>
+            <pc:docMk/>
+            <pc:sldMk cId="1597989395" sldId="286"/>
+            <ac:spMk id="3" creationId="{DC7B49F1-50FA-4683-82E1-87A2FA356B2D}"/>
+          </ac:spMkLst>
+        </pc:spChg>
+      </pc:sldChg>
+      <pc:sldChg chg="modSp new">
+        <pc:chgData name="Nicola Kühnert" userId="0bc40bf8682a76f5" providerId="Windows Live" clId="Web-{CF30D363-2680-4D8E-92B2-86AE9C3157AA}" dt="2020-01-05T11:26:17.532" v="2270" actId="20577"/>
+        <pc:sldMkLst>
+          <pc:docMk/>
+          <pc:sldMk cId="4132068149" sldId="287"/>
+        </pc:sldMkLst>
+        <pc:spChg chg="mod">
+          <ac:chgData name="Nicola Kühnert" userId="0bc40bf8682a76f5" providerId="Windows Live" clId="Web-{CF30D363-2680-4D8E-92B2-86AE9C3157AA}" dt="2020-01-05T11:26:17.532" v="2270" actId="20577"/>
+          <ac:spMkLst>
+            <pc:docMk/>
+            <pc:sldMk cId="4132068149" sldId="287"/>
+            <ac:spMk id="2" creationId="{9F7D2547-604B-4389-8A1D-613AC68A82E9}"/>
+          </ac:spMkLst>
+        </pc:spChg>
+        <pc:spChg chg="mod">
+          <ac:chgData name="Nicola Kühnert" userId="0bc40bf8682a76f5" providerId="Windows Live" clId="Web-{CF30D363-2680-4D8E-92B2-86AE9C3157AA}" dt="2020-01-05T11:01:31.446" v="1148" actId="20577"/>
+          <ac:spMkLst>
+            <pc:docMk/>
+            <pc:sldMk cId="4132068149" sldId="287"/>
+            <ac:spMk id="3" creationId="{A8E7FF63-F6F1-45BD-ADF9-39AA864C692C}"/>
+          </ac:spMkLst>
+        </pc:spChg>
+      </pc:sldChg>
+      <pc:sldChg chg="modSp new">
+        <pc:chgData name="Nicola Kühnert" userId="0bc40bf8682a76f5" providerId="Windows Live" clId="Web-{CF30D363-2680-4D8E-92B2-86AE9C3157AA}" dt="2020-01-05T11:27:06.391" v="2313" actId="20577"/>
+        <pc:sldMkLst>
+          <pc:docMk/>
+          <pc:sldMk cId="1517774477" sldId="288"/>
+        </pc:sldMkLst>
+        <pc:spChg chg="mod">
+          <ac:chgData name="Nicola Kühnert" userId="0bc40bf8682a76f5" providerId="Windows Live" clId="Web-{CF30D363-2680-4D8E-92B2-86AE9C3157AA}" dt="2020-01-05T11:27:06.391" v="2313" actId="20577"/>
+          <ac:spMkLst>
+            <pc:docMk/>
+            <pc:sldMk cId="1517774477" sldId="288"/>
+            <ac:spMk id="2" creationId="{904D8C1E-9ADB-4FCB-AC3C-5C65E3AFFF0F}"/>
+          </ac:spMkLst>
+        </pc:spChg>
+        <pc:spChg chg="mod">
+          <ac:chgData name="Nicola Kühnert" userId="0bc40bf8682a76f5" providerId="Windows Live" clId="Web-{CF30D363-2680-4D8E-92B2-86AE9C3157AA}" dt="2020-01-05T11:25:01.454" v="2253" actId="20577"/>
+          <ac:spMkLst>
+            <pc:docMk/>
+            <pc:sldMk cId="1517774477" sldId="288"/>
+            <ac:spMk id="3" creationId="{38B04905-2357-46E0-95E4-BD8D4963F80A}"/>
+          </ac:spMkLst>
+        </pc:spChg>
+      </pc:sldChg>
+      <pc:sldChg chg="modSp new">
+        <pc:chgData name="Nicola Kühnert" userId="0bc40bf8682a76f5" providerId="Windows Live" clId="Web-{CF30D363-2680-4D8E-92B2-86AE9C3157AA}" dt="2020-01-05T16:19:22.573" v="5518" actId="20577"/>
+        <pc:sldMkLst>
+          <pc:docMk/>
+          <pc:sldMk cId="4065842497" sldId="289"/>
+        </pc:sldMkLst>
+        <pc:spChg chg="mod">
+          <ac:chgData name="Nicola Kühnert" userId="0bc40bf8682a76f5" providerId="Windows Live" clId="Web-{CF30D363-2680-4D8E-92B2-86AE9C3157AA}" dt="2020-01-05T13:09:10.910" v="3599" actId="20577"/>
+          <ac:spMkLst>
+            <pc:docMk/>
+            <pc:sldMk cId="4065842497" sldId="289"/>
+            <ac:spMk id="2" creationId="{09E804E7-2ACC-4B5E-AFEA-F4C3CCADC747}"/>
+          </ac:spMkLst>
+        </pc:spChg>
+        <pc:spChg chg="mod">
+          <ac:chgData name="Nicola Kühnert" userId="0bc40bf8682a76f5" providerId="Windows Live" clId="Web-{CF30D363-2680-4D8E-92B2-86AE9C3157AA}" dt="2020-01-05T16:19:22.573" v="5518" actId="20577"/>
+          <ac:spMkLst>
+            <pc:docMk/>
+            <pc:sldMk cId="4065842497" sldId="289"/>
+            <ac:spMk id="3" creationId="{CEA5254A-83A4-48AD-84BD-D29D09C8C19B}"/>
+          </ac:spMkLst>
+        </pc:spChg>
+      </pc:sldChg>
+      <pc:sldChg chg="addSp delSp modSp new">
+        <pc:chgData name="Nicola Kühnert" userId="0bc40bf8682a76f5" providerId="Windows Live" clId="Web-{CF30D363-2680-4D8E-92B2-86AE9C3157AA}" dt="2020-01-05T13:04:50.628" v="3518" actId="20577"/>
+        <pc:sldMkLst>
+          <pc:docMk/>
+          <pc:sldMk cId="620908371" sldId="290"/>
+        </pc:sldMkLst>
+        <pc:spChg chg="add del mod">
+          <ac:chgData name="Nicola Kühnert" userId="0bc40bf8682a76f5" providerId="Windows Live" clId="Web-{CF30D363-2680-4D8E-92B2-86AE9C3157AA}" dt="2020-01-05T11:30:40.624" v="2414" actId="20577"/>
+          <ac:spMkLst>
+            <pc:docMk/>
+            <pc:sldMk cId="620908371" sldId="290"/>
+            <ac:spMk id="2" creationId="{4F932C12-1934-48CB-B5A6-604CE40332D6}"/>
+          </ac:spMkLst>
+        </pc:spChg>
+        <pc:spChg chg="mod">
+          <ac:chgData name="Nicola Kühnert" userId="0bc40bf8682a76f5" providerId="Windows Live" clId="Web-{CF30D363-2680-4D8E-92B2-86AE9C3157AA}" dt="2020-01-05T13:04:50.628" v="3518" actId="20577"/>
+          <ac:spMkLst>
+            <pc:docMk/>
+            <pc:sldMk cId="620908371" sldId="290"/>
+            <ac:spMk id="3" creationId="{F647BF12-568F-4A0E-8840-BB0AAA5CAE96}"/>
+          </ac:spMkLst>
+        </pc:spChg>
+        <pc:spChg chg="add del mod">
+          <ac:chgData name="Nicola Kühnert" userId="0bc40bf8682a76f5" providerId="Windows Live" clId="Web-{CF30D363-2680-4D8E-92B2-86AE9C3157AA}" dt="2020-01-05T11:28:32.203" v="2329"/>
+          <ac:spMkLst>
+            <pc:docMk/>
+            <pc:sldMk cId="620908371" sldId="290"/>
+            <ac:spMk id="7" creationId="{F553BE55-6602-4D22-8CAD-81E6C137BB0E}"/>
+          </ac:spMkLst>
+        </pc:spChg>
+      </pc:sldChg>
+      <pc:sldChg chg="modSp new">
+        <pc:chgData name="Nicola Kühnert" userId="0bc40bf8682a76f5" providerId="Windows Live" clId="Web-{CF30D363-2680-4D8E-92B2-86AE9C3157AA}" dt="2020-01-05T16:18:33.229" v="5421" actId="20577"/>
+        <pc:sldMkLst>
+          <pc:docMk/>
+          <pc:sldMk cId="501147802" sldId="291"/>
+        </pc:sldMkLst>
+        <pc:spChg chg="mod">
+          <ac:chgData name="Nicola Kühnert" userId="0bc40bf8682a76f5" providerId="Windows Live" clId="Web-{CF30D363-2680-4D8E-92B2-86AE9C3157AA}" dt="2020-01-05T16:04:02.990" v="4193" actId="20577"/>
+          <ac:spMkLst>
+            <pc:docMk/>
+            <pc:sldMk cId="501147802" sldId="291"/>
+            <ac:spMk id="2" creationId="{F6F555C7-DA05-4F00-B2F0-124F44F33816}"/>
+          </ac:spMkLst>
+        </pc:spChg>
+        <pc:spChg chg="mod">
+          <ac:chgData name="Nicola Kühnert" userId="0bc40bf8682a76f5" providerId="Windows Live" clId="Web-{CF30D363-2680-4D8E-92B2-86AE9C3157AA}" dt="2020-01-05T16:18:33.229" v="5421" actId="20577"/>
+          <ac:spMkLst>
+            <pc:docMk/>
+            <pc:sldMk cId="501147802" sldId="291"/>
+            <ac:spMk id="3" creationId="{50D10701-B57E-418B-A100-0397CB483B5B}"/>
+          </ac:spMkLst>
+        </pc:spChg>
+      </pc:sldChg>
+      <pc:sldChg chg="addSp delSp modSp new del">
+        <pc:chgData name="Nicola Kühnert" userId="0bc40bf8682a76f5" providerId="Windows Live" clId="Web-{CF30D363-2680-4D8E-92B2-86AE9C3157AA}" dt="2020-01-05T16:03:10.708" v="4169"/>
+        <pc:sldMkLst>
+          <pc:docMk/>
+          <pc:sldMk cId="3145989341" sldId="291"/>
+        </pc:sldMkLst>
+        <pc:spChg chg="add del">
+          <ac:chgData name="Nicola Kühnert" userId="0bc40bf8682a76f5" providerId="Windows Live" clId="Web-{CF30D363-2680-4D8E-92B2-86AE9C3157AA}" dt="2020-01-05T16:03:09.990" v="4168"/>
+          <ac:spMkLst>
+            <pc:docMk/>
+            <pc:sldMk cId="3145989341" sldId="291"/>
+            <ac:spMk id="2" creationId="{C123BB31-9754-4196-8233-E68027902875}"/>
+          </ac:spMkLst>
+        </pc:spChg>
+        <pc:spChg chg="mod">
+          <ac:chgData name="Nicola Kühnert" userId="0bc40bf8682a76f5" providerId="Windows Live" clId="Web-{CF30D363-2680-4D8E-92B2-86AE9C3157AA}" dt="2020-01-05T16:03:07.615" v="4167" actId="14100"/>
+          <ac:spMkLst>
+            <pc:docMk/>
+            <pc:sldMk cId="3145989341" sldId="291"/>
+            <ac:spMk id="3" creationId="{E8A7E1B9-B1FD-4017-B0AF-F14938441429}"/>
+          </ac:spMkLst>
+        </pc:spChg>
+      </pc:sldChg>
+    </pc:docChg>
+  </pc:docChgLst>
+</pc:chgInfo>
+</file>
+
 <file path=ppt/notesMasters/notesMaster1.xml><?xml version="1.0" encoding="utf-8"?>
 <p:notesMaster xmlns:a="http://schemas.openxmlformats.org/drawingml/2006/main" xmlns:r="http://schemas.openxmlformats.org/officeDocument/2006/relationships" xmlns:p="http://schemas.openxmlformats.org/presentationml/2006/main">
   <p:cSld>
@@ -204,7 +400,7 @@
           <a:p>
             <a:fld id="{45BAF5FC-A74A-4194-B400-41A03DD9C024}" type="datetimeFigureOut">
               <a:rPr lang="de-DE" smtClean="0"/>
-              <a:t>04.01.2020</a:t>
+              <a:t>05.01.2020</a:t>
             </a:fld>
             <a:endParaRPr lang="de-DE"/>
           </a:p>
@@ -363,7 +559,7 @@
           <a:p>
             <a:fld id="{B1B0B506-360A-4BC7-A86C-8256EFE9AF9B}" type="slidenum">
               <a:rPr lang="de-DE" smtClean="0"/>
-              <a:t>‹#›</a:t>
+              <a:t>‹Nr.›</a:t>
             </a:fld>
             <a:endParaRPr lang="de-DE"/>
           </a:p>
@@ -621,7 +817,7 @@
           <a:p>
             <a:fld id="{45D0F98D-38D5-4C1A-A003-148E75DBF760}" type="datetime1">
               <a:rPr lang="de-DE" smtClean="0"/>
-              <a:t>04.01.2020</a:t>
+              <a:t>05.01.2020</a:t>
             </a:fld>
             <a:endParaRPr lang="de-DE"/>
           </a:p>
@@ -712,7 +908,7 @@
           <a:p>
             <a:fld id="{969E759D-A893-4B96-8B48-96EE547EBC41}" type="slidenum">
               <a:rPr lang="de-DE" smtClean="0"/>
-              <a:t>‹#›</a:t>
+              <a:t>‹Nr.›</a:t>
             </a:fld>
             <a:endParaRPr lang="de-DE"/>
           </a:p>
@@ -858,7 +1054,7 @@
           <a:p>
             <a:fld id="{35EE94FD-1B66-443A-A78C-7063FFFB3DB5}" type="datetime1">
               <a:rPr lang="de-DE" smtClean="0"/>
-              <a:t>04.01.2020</a:t>
+              <a:t>05.01.2020</a:t>
             </a:fld>
             <a:endParaRPr lang="de-DE"/>
           </a:p>
@@ -926,7 +1122,7 @@
           <a:p>
             <a:fld id="{969E759D-A893-4B96-8B48-96EE547EBC41}" type="slidenum">
               <a:rPr lang="de-DE" smtClean="0"/>
-              <a:t>‹#›</a:t>
+              <a:t>‹Nr.›</a:t>
             </a:fld>
             <a:endParaRPr lang="de-DE"/>
           </a:p>
@@ -1082,7 +1278,7 @@
           <a:p>
             <a:fld id="{846435C6-9F94-4AA4-B35A-39DE494D17EA}" type="datetime1">
               <a:rPr lang="de-DE" smtClean="0"/>
-              <a:t>04.01.2020</a:t>
+              <a:t>05.01.2020</a:t>
             </a:fld>
             <a:endParaRPr lang="de-DE"/>
           </a:p>
@@ -1150,7 +1346,7 @@
           <a:p>
             <a:fld id="{969E759D-A893-4B96-8B48-96EE547EBC41}" type="slidenum">
               <a:rPr lang="de-DE" smtClean="0"/>
-              <a:t>‹#›</a:t>
+              <a:t>‹Nr.›</a:t>
             </a:fld>
             <a:endParaRPr lang="de-DE"/>
           </a:p>
@@ -1296,7 +1492,7 @@
           <a:p>
             <a:fld id="{7BA378BF-52EB-4C5B-B6BB-996DFE0988BD}" type="datetime1">
               <a:rPr lang="de-DE" smtClean="0"/>
-              <a:t>04.01.2020</a:t>
+              <a:t>05.01.2020</a:t>
             </a:fld>
             <a:endParaRPr lang="de-DE"/>
           </a:p>
@@ -1382,7 +1578,7 @@
           <a:p>
             <a:fld id="{969E759D-A893-4B96-8B48-96EE547EBC41}" type="slidenum">
               <a:rPr lang="de-DE" smtClean="0"/>
-              <a:t>‹#›</a:t>
+              <a:t>‹Nr.›</a:t>
             </a:fld>
             <a:endParaRPr lang="de-DE"/>
           </a:p>
@@ -1604,7 +1800,7 @@
           <a:p>
             <a:fld id="{546325AB-2200-4FF3-AF2A-B172FFDDBDF4}" type="datetime1">
               <a:rPr lang="de-DE" smtClean="0"/>
-              <a:t>04.01.2020</a:t>
+              <a:t>05.01.2020</a:t>
             </a:fld>
             <a:endParaRPr lang="de-DE"/>
           </a:p>
@@ -1672,7 +1868,7 @@
           <a:p>
             <a:fld id="{969E759D-A893-4B96-8B48-96EE547EBC41}" type="slidenum">
               <a:rPr lang="de-DE" smtClean="0"/>
-              <a:t>‹#›</a:t>
+              <a:t>‹Nr.›</a:t>
             </a:fld>
             <a:endParaRPr lang="de-DE"/>
           </a:p>
@@ -1886,7 +2082,7 @@
           <a:p>
             <a:fld id="{4BD4E413-4B36-416A-99F8-917101FD3552}" type="datetime1">
               <a:rPr lang="de-DE" smtClean="0"/>
-              <a:t>04.01.2020</a:t>
+              <a:t>05.01.2020</a:t>
             </a:fld>
             <a:endParaRPr lang="de-DE"/>
           </a:p>
@@ -1954,7 +2150,7 @@
           <a:p>
             <a:fld id="{969E759D-A893-4B96-8B48-96EE547EBC41}" type="slidenum">
               <a:rPr lang="de-DE" smtClean="0"/>
-              <a:t>‹#›</a:t>
+              <a:t>‹Nr.›</a:t>
             </a:fld>
             <a:endParaRPr lang="de-DE"/>
           </a:p>
@@ -2315,7 +2511,7 @@
           <a:p>
             <a:fld id="{350CD5BB-2135-4C1C-9EB9-6B104A7F1852}" type="datetime1">
               <a:rPr lang="de-DE" smtClean="0"/>
-              <a:t>04.01.2020</a:t>
+              <a:t>05.01.2020</a:t>
             </a:fld>
             <a:endParaRPr lang="de-DE"/>
           </a:p>
@@ -2383,7 +2579,7 @@
           <a:p>
             <a:fld id="{969E759D-A893-4B96-8B48-96EE547EBC41}" type="slidenum">
               <a:rPr lang="de-DE" smtClean="0"/>
-              <a:t>‹#›</a:t>
+              <a:t>‹Nr.›</a:t>
             </a:fld>
             <a:endParaRPr lang="de-DE"/>
           </a:p>
@@ -2471,7 +2667,7 @@
           <a:p>
             <a:fld id="{5F8EFD36-9E63-4951-BEF9-F6B8ACF9848D}" type="datetime1">
               <a:rPr lang="de-DE" smtClean="0"/>
-              <a:t>04.01.2020</a:t>
+              <a:t>05.01.2020</a:t>
             </a:fld>
             <a:endParaRPr lang="de-DE"/>
           </a:p>
@@ -2539,7 +2735,7 @@
           <a:p>
             <a:fld id="{969E759D-A893-4B96-8B48-96EE547EBC41}" type="slidenum">
               <a:rPr lang="de-DE" smtClean="0"/>
-              <a:t>‹#›</a:t>
+              <a:t>‹Nr.›</a:t>
             </a:fld>
             <a:endParaRPr lang="de-DE"/>
           </a:p>
@@ -2598,7 +2794,7 @@
           <a:p>
             <a:fld id="{5809FACB-23B1-4A10-9D0A-328C6885745A}" type="datetime1">
               <a:rPr lang="de-DE" smtClean="0"/>
-              <a:t>04.01.2020</a:t>
+              <a:t>05.01.2020</a:t>
             </a:fld>
             <a:endParaRPr lang="de-DE"/>
           </a:p>
@@ -2666,7 +2862,7 @@
           <a:p>
             <a:fld id="{969E759D-A893-4B96-8B48-96EE547EBC41}" type="slidenum">
               <a:rPr lang="de-DE" smtClean="0"/>
-              <a:t>‹#›</a:t>
+              <a:t>‹Nr.›</a:t>
             </a:fld>
             <a:endParaRPr lang="de-DE"/>
           </a:p>
@@ -2925,7 +3121,7 @@
           <a:p>
             <a:fld id="{D34E0433-A910-4A2C-B27B-93E80F26180A}" type="datetime1">
               <a:rPr lang="de-DE" smtClean="0"/>
-              <a:t>04.01.2020</a:t>
+              <a:t>05.01.2020</a:t>
             </a:fld>
             <a:endParaRPr lang="de-DE"/>
           </a:p>
@@ -2993,7 +3189,7 @@
           <a:p>
             <a:fld id="{969E759D-A893-4B96-8B48-96EE547EBC41}" type="slidenum">
               <a:rPr lang="de-DE" smtClean="0"/>
-              <a:t>‹#›</a:t>
+              <a:t>‹Nr.›</a:t>
             </a:fld>
             <a:endParaRPr lang="de-DE"/>
           </a:p>
@@ -3228,7 +3424,7 @@
           <a:p>
             <a:fld id="{27D0816D-89A7-4D5C-8256-1B20355E25D9}" type="datetime1">
               <a:rPr lang="de-DE" smtClean="0"/>
-              <a:t>04.01.2020</a:t>
+              <a:t>05.01.2020</a:t>
             </a:fld>
             <a:endParaRPr lang="de-DE"/>
           </a:p>
@@ -3285,7 +3481,7 @@
           <a:p>
             <a:fld id="{969E759D-A893-4B96-8B48-96EE547EBC41}" type="slidenum">
               <a:rPr lang="de-DE" smtClean="0"/>
-              <a:t>‹#›</a:t>
+              <a:t>‹Nr.›</a:t>
             </a:fld>
             <a:endParaRPr lang="de-DE"/>
           </a:p>
@@ -3474,7 +3670,7 @@
           <a:p>
             <a:fld id="{96A0F86B-E49E-4FBD-A866-1ABC19B2F8A7}" type="datetime1">
               <a:rPr lang="de-DE" smtClean="0"/>
-              <a:t>04.01.2020</a:t>
+              <a:t>05.01.2020</a:t>
             </a:fld>
             <a:endParaRPr lang="de-DE"/>
           </a:p>
@@ -3593,7 +3789,7 @@
           <a:p>
             <a:fld id="{969E759D-A893-4B96-8B48-96EE547EBC41}" type="slidenum">
               <a:rPr lang="de-DE" smtClean="0"/>
-              <a:t>‹#›</a:t>
+              <a:t>‹Nr.›</a:t>
             </a:fld>
             <a:endParaRPr lang="de-DE"/>
           </a:p>
@@ -4306,6 +4502,1092 @@
 </p:sld>
 </file>
 
+<file path=ppt/slides/slide10.xml><?xml version="1.0" encoding="utf-8"?>
+<p:sld xmlns:a="http://schemas.openxmlformats.org/drawingml/2006/main" xmlns:r="http://schemas.openxmlformats.org/officeDocument/2006/relationships" xmlns:p="http://schemas.openxmlformats.org/presentationml/2006/main">
+  <p:cSld>
+    <p:spTree>
+      <p:nvGrpSpPr>
+        <p:cNvPr id="1" name=""/>
+        <p:cNvGrpSpPr/>
+        <p:nvPr/>
+      </p:nvGrpSpPr>
+      <p:grpSpPr>
+        <a:xfrm>
+          <a:off x="0" y="0"/>
+          <a:ext cx="0" cy="0"/>
+          <a:chOff x="0" y="0"/>
+          <a:chExt cx="0" cy="0"/>
+        </a:xfrm>
+      </p:grpSpPr>
+      <p:sp>
+        <p:nvSpPr>
+          <p:cNvPr id="2" name="Titel 1">
+            <a:extLst>
+              <a:ext uri="{FF2B5EF4-FFF2-40B4-BE49-F238E27FC236}">
+                <a16:creationId xmlns:a16="http://schemas.microsoft.com/office/drawing/2014/main" id="{904D8C1E-9ADB-4FCB-AC3C-5C65E3AFFF0F}"/>
+              </a:ext>
+            </a:extLst>
+          </p:cNvPr>
+          <p:cNvSpPr>
+            <a:spLocks noGrp="1"/>
+          </p:cNvSpPr>
+          <p:nvPr>
+            <p:ph type="title"/>
+          </p:nvPr>
+        </p:nvSpPr>
+        <p:spPr/>
+        <p:txBody>
+          <a:bodyPr/>
+          <a:lstStyle/>
+          <a:p>
+            <a:r>
+              <a:rPr lang="en-NZ">
+                <a:ea typeface="+mj-lt"/>
+                <a:cs typeface="+mj-lt"/>
+              </a:rPr>
+              <a:t>A 11 Physische und Umgebungssicherheit</a:t>
+            </a:r>
+          </a:p>
+        </p:txBody>
+      </p:sp>
+      <p:sp>
+        <p:nvSpPr>
+          <p:cNvPr id="3" name="Inhaltsplatzhalter 2">
+            <a:extLst>
+              <a:ext uri="{FF2B5EF4-FFF2-40B4-BE49-F238E27FC236}">
+                <a16:creationId xmlns:a16="http://schemas.microsoft.com/office/drawing/2014/main" id="{38B04905-2357-46E0-95E4-BD8D4963F80A}"/>
+              </a:ext>
+            </a:extLst>
+          </p:cNvPr>
+          <p:cNvSpPr>
+            <a:spLocks noGrp="1"/>
+          </p:cNvSpPr>
+          <p:nvPr>
+            <p:ph idx="1"/>
+          </p:nvPr>
+        </p:nvSpPr>
+        <p:spPr/>
+        <p:txBody>
+          <a:bodyPr vert="horz" lIns="91440" tIns="45720" rIns="91440" bIns="45720" rtlCol="0" anchor="t">
+            <a:normAutofit/>
+          </a:bodyPr>
+          <a:lstStyle/>
+          <a:p>
+            <a:r>
+              <a:rPr lang="de-DE" sz="2400">
+                <a:cs typeface="Calibri"/>
+              </a:rPr>
+              <a:t>A 11.1 Physische Sicherheit und Zugangskontrollen</a:t>
+            </a:r>
+          </a:p>
+          <a:p>
+            <a:pPr lvl="1"/>
+            <a:r>
+              <a:rPr lang="de-DE" sz="2000">
+                <a:cs typeface="Calibri"/>
+              </a:rPr>
+              <a:t>Legt Übergänge von Schutzanforderungen fest (A 11.1.1)</a:t>
+            </a:r>
+          </a:p>
+          <a:p>
+            <a:pPr lvl="2"/>
+            <a:r>
+              <a:rPr lang="de-DE" sz="1600">
+                <a:cs typeface="Calibri"/>
+              </a:rPr>
+              <a:t>ZB Ein Büro ist vertraulicher als der Korridor, der Inhalt eines Lagerschanks vertraulicher als das Büro</a:t>
+            </a:r>
+          </a:p>
+          <a:p>
+            <a:pPr lvl="1"/>
+            <a:r>
+              <a:rPr lang="de-DE" sz="2000">
+                <a:cs typeface="Calibri"/>
+              </a:rPr>
+              <a:t>Sicherheit bei Heimarbeit und Arbeitsreisen (Hotel, Kundenräume usw)</a:t>
+            </a:r>
+          </a:p>
+          <a:p>
+            <a:pPr lvl="1"/>
+            <a:r>
+              <a:rPr lang="de-DE" sz="2000">
+                <a:cs typeface="Calibri"/>
+              </a:rPr>
+              <a:t>Richtlinien für das Betreten von informationskritischen Büros und Liefer-/Verladebereichen</a:t>
+            </a:r>
+          </a:p>
+          <a:p>
+            <a:pPr lvl="2"/>
+            <a:r>
+              <a:rPr lang="de-DE" sz="1600">
+                <a:cs typeface="Calibri"/>
+              </a:rPr>
+              <a:t>Zugriffskontrollen von Mitarbeitern, Reinigungspersonal und Besuchern (</a:t>
+            </a:r>
+            <a:r>
+              <a:rPr lang="de-DE" sz="1600">
+                <a:ea typeface="+mn-lt"/>
+                <a:cs typeface="+mn-lt"/>
+              </a:rPr>
+              <a:t>A 11.1.2)</a:t>
+            </a:r>
+          </a:p>
+          <a:p>
+            <a:pPr lvl="2"/>
+            <a:r>
+              <a:rPr lang="de-DE" sz="1600">
+                <a:cs typeface="Calibri"/>
+              </a:rPr>
+              <a:t>Sichere Bereiche müssen mit angemessen Zugangskontrollen geschützt werden (A </a:t>
+            </a:r>
+            <a:r>
+              <a:rPr lang="de-DE" sz="1600">
+                <a:ea typeface="+mn-lt"/>
+                <a:cs typeface="+mn-lt"/>
+              </a:rPr>
+              <a:t>11.1.3)</a:t>
+            </a:r>
+          </a:p>
+          <a:p>
+            <a:pPr lvl="2"/>
+            <a:r>
+              <a:rPr lang="de-DE" sz="1600">
+                <a:cs typeface="Calibri"/>
+              </a:rPr>
+              <a:t>Ein-/Ausgangsprotokollierung, Beschrängung des unbeaufsichtigten Arbeitens (A 11.1.5)</a:t>
+            </a:r>
+            <a:endParaRPr lang="de-DE" sz="1600" dirty="0">
+              <a:cs typeface="Calibri"/>
+            </a:endParaRPr>
+          </a:p>
+          <a:p>
+            <a:pPr lvl="2"/>
+            <a:r>
+              <a:rPr lang="de-DE" sz="1600">
+                <a:cs typeface="Calibri"/>
+              </a:rPr>
+              <a:t>Zutrittkontrollen bei Liefer-/Verladebereichen und Abschottung von Informationsverarbeitung (A 11.1.6)</a:t>
+            </a:r>
+            <a:endParaRPr lang="de-DE" sz="1600" dirty="0">
+              <a:cs typeface="Calibri"/>
+            </a:endParaRPr>
+          </a:p>
+          <a:p>
+            <a:pPr lvl="1"/>
+            <a:r>
+              <a:rPr lang="de-DE" sz="2000">
+                <a:cs typeface="Calibri"/>
+              </a:rPr>
+              <a:t>Schutz vor Umweltbedrohungen (A 11.1.4)</a:t>
+            </a:r>
+            <a:endParaRPr lang="de-DE" sz="2000" dirty="0">
+              <a:cs typeface="Calibri"/>
+            </a:endParaRPr>
+          </a:p>
+          <a:p>
+            <a:pPr lvl="2"/>
+            <a:r>
+              <a:rPr lang="de-DE" sz="1600">
+                <a:cs typeface="Calibri"/>
+              </a:rPr>
+              <a:t>Naturkatastrophen, böswillige Angriffe oder Unfälle</a:t>
+            </a:r>
+          </a:p>
+        </p:txBody>
+      </p:sp>
+      <p:sp>
+        <p:nvSpPr>
+          <p:cNvPr id="4" name="Fußzeilenplatzhalter 3">
+            <a:extLst>
+              <a:ext uri="{FF2B5EF4-FFF2-40B4-BE49-F238E27FC236}">
+                <a16:creationId xmlns:a16="http://schemas.microsoft.com/office/drawing/2014/main" id="{981D9454-A707-47F2-B7F9-AB7BEE970C78}"/>
+              </a:ext>
+            </a:extLst>
+          </p:cNvPr>
+          <p:cNvSpPr>
+            <a:spLocks noGrp="1"/>
+          </p:cNvSpPr>
+          <p:nvPr>
+            <p:ph type="ftr" sz="quarter" idx="11"/>
+          </p:nvPr>
+        </p:nvSpPr>
+        <p:spPr/>
+        <p:txBody>
+          <a:bodyPr/>
+          <a:lstStyle/>
+          <a:p>
+            <a:pPr algn="ctr">
+              <a:defRPr/>
+            </a:pPr>
+            <a:r>
+              <a:rPr lang="de-DE" dirty="0"/>
+              <a:t>WS19/20 – ISO 27001 - Hertel, </a:t>
+            </a:r>
+            <a:r>
+              <a:rPr lang="de-DE" dirty="0" err="1"/>
+              <a:t>Kossendey</a:t>
+            </a:r>
+            <a:r>
+              <a:rPr lang="de-DE" dirty="0"/>
+              <a:t>, Kühnert, Withöft</a:t>
+            </a:r>
+          </a:p>
+        </p:txBody>
+      </p:sp>
+      <p:sp>
+        <p:nvSpPr>
+          <p:cNvPr id="5" name="Foliennummernplatzhalter 4">
+            <a:extLst>
+              <a:ext uri="{FF2B5EF4-FFF2-40B4-BE49-F238E27FC236}">
+                <a16:creationId xmlns:a16="http://schemas.microsoft.com/office/drawing/2014/main" id="{48D9611C-73A5-48F4-A7C1-BFC1C22C1ABF}"/>
+              </a:ext>
+            </a:extLst>
+          </p:cNvPr>
+          <p:cNvSpPr>
+            <a:spLocks noGrp="1"/>
+          </p:cNvSpPr>
+          <p:nvPr>
+            <p:ph type="sldNum" sz="quarter" idx="12"/>
+          </p:nvPr>
+        </p:nvSpPr>
+        <p:spPr/>
+        <p:txBody>
+          <a:bodyPr/>
+          <a:lstStyle/>
+          <a:p>
+            <a:fld id="{969E759D-A893-4B96-8B48-96EE547EBC41}" type="slidenum">
+              <a:rPr lang="de-DE" smtClean="0"/>
+              <a:t>10</a:t>
+            </a:fld>
+            <a:endParaRPr lang="de-DE"/>
+          </a:p>
+        </p:txBody>
+      </p:sp>
+    </p:spTree>
+    <p:extLst>
+      <p:ext uri="{BB962C8B-B14F-4D97-AF65-F5344CB8AC3E}">
+        <p14:creationId xmlns:p14="http://schemas.microsoft.com/office/powerpoint/2010/main" val="1517774477"/>
+      </p:ext>
+    </p:extLst>
+  </p:cSld>
+  <p:clrMapOvr>
+    <a:masterClrMapping/>
+  </p:clrMapOvr>
+</p:sld>
+</file>
+
+<file path=ppt/slides/slide11.xml><?xml version="1.0" encoding="utf-8"?>
+<p:sld xmlns:a="http://schemas.openxmlformats.org/drawingml/2006/main" xmlns:r="http://schemas.openxmlformats.org/officeDocument/2006/relationships" xmlns:p="http://schemas.openxmlformats.org/presentationml/2006/main">
+  <p:cSld>
+    <p:spTree>
+      <p:nvGrpSpPr>
+        <p:cNvPr id="1" name=""/>
+        <p:cNvGrpSpPr/>
+        <p:nvPr/>
+      </p:nvGrpSpPr>
+      <p:grpSpPr>
+        <a:xfrm>
+          <a:off x="0" y="0"/>
+          <a:ext cx="0" cy="0"/>
+          <a:chOff x="0" y="0"/>
+          <a:chExt cx="0" cy="0"/>
+        </a:xfrm>
+      </p:grpSpPr>
+      <p:sp>
+        <p:nvSpPr>
+          <p:cNvPr id="2" name="Titel 1">
+            <a:extLst>
+              <a:ext uri="{FF2B5EF4-FFF2-40B4-BE49-F238E27FC236}">
+                <a16:creationId xmlns:a16="http://schemas.microsoft.com/office/drawing/2014/main" id="{4F932C12-1934-48CB-B5A6-604CE40332D6}"/>
+              </a:ext>
+            </a:extLst>
+          </p:cNvPr>
+          <p:cNvSpPr>
+            <a:spLocks noGrp="1"/>
+          </p:cNvSpPr>
+          <p:nvPr>
+            <p:ph type="title"/>
+          </p:nvPr>
+        </p:nvSpPr>
+        <p:spPr>
+          <a:xfrm>
+            <a:off x="838200" y="365125"/>
+            <a:ext cx="10515600" cy="614363"/>
+          </a:xfrm>
+        </p:spPr>
+        <p:txBody>
+          <a:bodyPr>
+            <a:normAutofit/>
+          </a:bodyPr>
+          <a:lstStyle/>
+          <a:p>
+            <a:r>
+              <a:rPr lang="de-DE" sz="3600">
+                <a:cs typeface="Calibri Light"/>
+              </a:rPr>
+              <a:t>A 11.2 Ausrüstung und Arbeitsplatz</a:t>
+            </a:r>
+            <a:endParaRPr lang="de-DE" sz="3600"/>
+          </a:p>
+        </p:txBody>
+      </p:sp>
+      <p:sp>
+        <p:nvSpPr>
+          <p:cNvPr id="3" name="Inhaltsplatzhalter 2">
+            <a:extLst>
+              <a:ext uri="{FF2B5EF4-FFF2-40B4-BE49-F238E27FC236}">
+                <a16:creationId xmlns:a16="http://schemas.microsoft.com/office/drawing/2014/main" id="{F647BF12-568F-4A0E-8840-BB0AAA5CAE96}"/>
+              </a:ext>
+            </a:extLst>
+          </p:cNvPr>
+          <p:cNvSpPr>
+            <a:spLocks noGrp="1"/>
+          </p:cNvSpPr>
+          <p:nvPr>
+            <p:ph idx="1"/>
+          </p:nvPr>
+        </p:nvSpPr>
+        <p:spPr>
+          <a:xfrm>
+            <a:off x="838200" y="1055159"/>
+            <a:ext cx="10515600" cy="5121804"/>
+          </a:xfrm>
+        </p:spPr>
+        <p:txBody>
+          <a:bodyPr vert="horz" lIns="91440" tIns="45720" rIns="91440" bIns="45720" rtlCol="0" anchor="t">
+            <a:normAutofit/>
+          </a:bodyPr>
+          <a:lstStyle/>
+          <a:p>
+            <a:r>
+              <a:rPr lang="de-DE" sz="2200">
+                <a:cs typeface="Calibri"/>
+              </a:rPr>
+              <a:t>Aufstellung/Nutzung von Geräten und Ausrüstung (A 11.2.1)</a:t>
+            </a:r>
+          </a:p>
+          <a:p>
+            <a:pPr lvl="1"/>
+            <a:r>
+              <a:rPr lang="de-DE" sz="1800">
+                <a:cs typeface="Calibri"/>
+              </a:rPr>
+              <a:t>Ausrichtung von Monitoren zur Blickwinkelbegrenzung</a:t>
+            </a:r>
+          </a:p>
+          <a:p>
+            <a:pPr lvl="2"/>
+            <a:r>
+              <a:rPr lang="de-DE" sz="1600">
+                <a:cs typeface="Calibri"/>
+              </a:rPr>
+              <a:t>Auch bei Heimarbeit darauf achten, dass Freunde und Familie nicht unbeabsichtig Zugang bekommen</a:t>
+            </a:r>
+            <a:endParaRPr lang="de-DE" sz="1600" dirty="0">
+              <a:cs typeface="Calibri"/>
+            </a:endParaRPr>
+          </a:p>
+          <a:p>
+            <a:pPr lvl="1"/>
+            <a:r>
+              <a:rPr lang="de-DE" sz="1800">
+                <a:cs typeface="Calibri"/>
+              </a:rPr>
+              <a:t>Speise/Getränke Nutzung festlegen</a:t>
+            </a:r>
+          </a:p>
+          <a:p>
+            <a:pPr lvl="1"/>
+            <a:r>
+              <a:rPr lang="de-DE" sz="1800">
+                <a:cs typeface="Calibri"/>
+              </a:rPr>
+              <a:t>Mitnahme von Unternehmenseigentum muss dokumentiert und reguliert werden (A 11.2.5)</a:t>
+            </a:r>
+            <a:endParaRPr lang="de-DE" sz="1800" dirty="0">
+              <a:cs typeface="Calibri"/>
+            </a:endParaRPr>
+          </a:p>
+          <a:p>
+            <a:pPr lvl="1"/>
+            <a:r>
+              <a:rPr lang="de-DE" sz="1800">
+                <a:cs typeface="Calibri"/>
+              </a:rPr>
+              <a:t>Die Sicherheit von Geräten und Daten außerhalb des Unternehmens muss stehts gewährleistet sein (A11.2.6)</a:t>
+            </a:r>
+            <a:endParaRPr lang="de-DE" sz="1800" dirty="0">
+              <a:cs typeface="Calibri"/>
+            </a:endParaRPr>
+          </a:p>
+          <a:p>
+            <a:r>
+              <a:rPr lang="de-DE" sz="2200">
+                <a:cs typeface="Calibri"/>
+              </a:rPr>
+              <a:t>Schutz vor Strom-, Telefon-, Internetausfall (A 11.2.2)</a:t>
+            </a:r>
+          </a:p>
+          <a:p>
+            <a:pPr lvl="1"/>
+            <a:r>
+              <a:rPr lang="de-DE" sz="1800">
+                <a:cs typeface="Calibri"/>
+              </a:rPr>
+              <a:t>Auch Abhören oder andere Störungen muss verhindert werden (A 11.2.3)</a:t>
+            </a:r>
+          </a:p>
+          <a:p>
+            <a:r>
+              <a:rPr lang="de-DE" sz="2200">
+                <a:cs typeface="Calibri"/>
+              </a:rPr>
+              <a:t>Wartung der Ausrüstung durch geschultes Personal (A 11.2.4)</a:t>
+            </a:r>
+          </a:p>
+          <a:p>
+            <a:r>
+              <a:rPr lang="de-DE" sz="2200">
+                <a:cs typeface="Calibri"/>
+              </a:rPr>
+              <a:t>Sichere Vernichtung von Daten oder Geräten (A 11.2.7)</a:t>
+            </a:r>
+            <a:endParaRPr lang="de-DE" sz="2200" dirty="0">
+              <a:cs typeface="Calibri"/>
+            </a:endParaRPr>
+          </a:p>
+          <a:p>
+            <a:pPr lvl="1"/>
+            <a:r>
+              <a:rPr lang="de-DE" sz="1800">
+                <a:cs typeface="Calibri"/>
+              </a:rPr>
+              <a:t>Bei Wiederverwendung von Geräten ist darauf zu achten, dass alle Daten sicher überschrieben wurde</a:t>
+            </a:r>
+          </a:p>
+          <a:p>
+            <a:r>
+              <a:rPr lang="de-DE" sz="2200">
+                <a:cs typeface="Calibri"/>
+              </a:rPr>
+              <a:t>Es muss Richtlinien zum Schutz von unbeaufsichtigten Geräten geben (A 11.2.8)</a:t>
+            </a:r>
+          </a:p>
+        </p:txBody>
+      </p:sp>
+      <p:sp>
+        <p:nvSpPr>
+          <p:cNvPr id="4" name="Fußzeilenplatzhalter 3">
+            <a:extLst>
+              <a:ext uri="{FF2B5EF4-FFF2-40B4-BE49-F238E27FC236}">
+                <a16:creationId xmlns:a16="http://schemas.microsoft.com/office/drawing/2014/main" id="{48E45C49-593B-431B-9004-DA101AF4EC35}"/>
+              </a:ext>
+            </a:extLst>
+          </p:cNvPr>
+          <p:cNvSpPr>
+            <a:spLocks noGrp="1"/>
+          </p:cNvSpPr>
+          <p:nvPr>
+            <p:ph type="ftr" sz="quarter" idx="11"/>
+          </p:nvPr>
+        </p:nvSpPr>
+        <p:spPr/>
+        <p:txBody>
+          <a:bodyPr/>
+          <a:lstStyle/>
+          <a:p>
+            <a:pPr algn="ctr">
+              <a:defRPr/>
+            </a:pPr>
+            <a:r>
+              <a:rPr lang="de-DE" dirty="0"/>
+              <a:t>WS19/20 – ISO 27001 - Hertel, </a:t>
+            </a:r>
+            <a:r>
+              <a:rPr lang="de-DE" dirty="0" err="1"/>
+              <a:t>Kossendey</a:t>
+            </a:r>
+            <a:r>
+              <a:rPr lang="de-DE" dirty="0"/>
+              <a:t>, Kühnert, Withöft</a:t>
+            </a:r>
+          </a:p>
+        </p:txBody>
+      </p:sp>
+      <p:sp>
+        <p:nvSpPr>
+          <p:cNvPr id="5" name="Foliennummernplatzhalter 4">
+            <a:extLst>
+              <a:ext uri="{FF2B5EF4-FFF2-40B4-BE49-F238E27FC236}">
+                <a16:creationId xmlns:a16="http://schemas.microsoft.com/office/drawing/2014/main" id="{0873531F-D410-46D3-B0CB-040EBA6C6D81}"/>
+              </a:ext>
+            </a:extLst>
+          </p:cNvPr>
+          <p:cNvSpPr>
+            <a:spLocks noGrp="1"/>
+          </p:cNvSpPr>
+          <p:nvPr>
+            <p:ph type="sldNum" sz="quarter" idx="12"/>
+          </p:nvPr>
+        </p:nvSpPr>
+        <p:spPr/>
+        <p:txBody>
+          <a:bodyPr/>
+          <a:lstStyle/>
+          <a:p>
+            <a:fld id="{969E759D-A893-4B96-8B48-96EE547EBC41}" type="slidenum">
+              <a:rPr lang="de-DE" smtClean="0"/>
+              <a:t>11</a:t>
+            </a:fld>
+            <a:endParaRPr lang="de-DE"/>
+          </a:p>
+        </p:txBody>
+      </p:sp>
+    </p:spTree>
+    <p:extLst>
+      <p:ext uri="{BB962C8B-B14F-4D97-AF65-F5344CB8AC3E}">
+        <p14:creationId xmlns:p14="http://schemas.microsoft.com/office/powerpoint/2010/main" val="620908371"/>
+      </p:ext>
+    </p:extLst>
+  </p:cSld>
+  <p:clrMapOvr>
+    <a:masterClrMapping/>
+  </p:clrMapOvr>
+</p:sld>
+</file>
+
+<file path=ppt/slides/slide12.xml><?xml version="1.0" encoding="utf-8"?>
+<p:sld xmlns:a="http://schemas.openxmlformats.org/drawingml/2006/main" xmlns:r="http://schemas.openxmlformats.org/officeDocument/2006/relationships" xmlns:p="http://schemas.openxmlformats.org/presentationml/2006/main">
+  <p:cSld>
+    <p:spTree>
+      <p:nvGrpSpPr>
+        <p:cNvPr id="1" name=""/>
+        <p:cNvGrpSpPr/>
+        <p:nvPr/>
+      </p:nvGrpSpPr>
+      <p:grpSpPr>
+        <a:xfrm>
+          <a:off x="0" y="0"/>
+          <a:ext cx="0" cy="0"/>
+          <a:chOff x="0" y="0"/>
+          <a:chExt cx="0" cy="0"/>
+        </a:xfrm>
+      </p:grpSpPr>
+      <p:sp>
+        <p:nvSpPr>
+          <p:cNvPr id="2" name="Titel 1">
+            <a:extLst>
+              <a:ext uri="{FF2B5EF4-FFF2-40B4-BE49-F238E27FC236}">
+                <a16:creationId xmlns:a16="http://schemas.microsoft.com/office/drawing/2014/main" id="{09E804E7-2ACC-4B5E-AFEA-F4C3CCADC747}"/>
+              </a:ext>
+            </a:extLst>
+          </p:cNvPr>
+          <p:cNvSpPr>
+            <a:spLocks noGrp="1"/>
+          </p:cNvSpPr>
+          <p:nvPr>
+            <p:ph type="title"/>
+          </p:nvPr>
+        </p:nvSpPr>
+        <p:spPr/>
+        <p:txBody>
+          <a:bodyPr/>
+          <a:lstStyle/>
+          <a:p>
+            <a:r>
+              <a:rPr lang="en-NZ">
+                <a:ea typeface="+mj-lt"/>
+                <a:cs typeface="+mj-lt"/>
+              </a:rPr>
+              <a:t>A14 Systemerwerb</a:t>
+            </a:r>
+            <a:r>
+              <a:rPr lang="en-NZ" dirty="0">
+                <a:ea typeface="+mj-lt"/>
+                <a:cs typeface="+mj-lt"/>
+              </a:rPr>
+              <a:t>, </a:t>
+            </a:r>
+            <a:r>
+              <a:rPr lang="en-NZ" err="1">
+                <a:ea typeface="+mj-lt"/>
+                <a:cs typeface="+mj-lt"/>
+              </a:rPr>
+              <a:t>Entwicklung</a:t>
+            </a:r>
+            <a:r>
+              <a:rPr lang="en-NZ" dirty="0">
+                <a:ea typeface="+mj-lt"/>
+                <a:cs typeface="+mj-lt"/>
+              </a:rPr>
+              <a:t> und </a:t>
+            </a:r>
+            <a:r>
+              <a:rPr lang="en-NZ" err="1">
+                <a:ea typeface="+mj-lt"/>
+                <a:cs typeface="+mj-lt"/>
+              </a:rPr>
+              <a:t>Wartung</a:t>
+            </a:r>
+            <a:endParaRPr lang="de-DE" err="1"/>
+          </a:p>
+        </p:txBody>
+      </p:sp>
+      <p:sp>
+        <p:nvSpPr>
+          <p:cNvPr id="3" name="Inhaltsplatzhalter 2">
+            <a:extLst>
+              <a:ext uri="{FF2B5EF4-FFF2-40B4-BE49-F238E27FC236}">
+                <a16:creationId xmlns:a16="http://schemas.microsoft.com/office/drawing/2014/main" id="{CEA5254A-83A4-48AD-84BD-D29D09C8C19B}"/>
+              </a:ext>
+            </a:extLst>
+          </p:cNvPr>
+          <p:cNvSpPr>
+            <a:spLocks noGrp="1"/>
+          </p:cNvSpPr>
+          <p:nvPr>
+            <p:ph idx="1"/>
+          </p:nvPr>
+        </p:nvSpPr>
+        <p:spPr/>
+        <p:txBody>
+          <a:bodyPr vert="horz" lIns="91440" tIns="45720" rIns="91440" bIns="45720" rtlCol="0" anchor="t">
+            <a:normAutofit/>
+          </a:bodyPr>
+          <a:lstStyle/>
+          <a:p>
+            <a:r>
+              <a:rPr lang="de-DE" sz="2200">
+                <a:cs typeface="Calibri"/>
+              </a:rPr>
+              <a:t>Es muss eine Anforderungsanalyse und eine Spezifizierung der Anwendung verfasst werden (A 14.1.1)</a:t>
+            </a:r>
+          </a:p>
+          <a:p>
+            <a:pPr lvl="1"/>
+            <a:r>
+              <a:rPr lang="de-DE" sz="1800">
+                <a:cs typeface="Calibri"/>
+              </a:rPr>
+              <a:t>Alle Entscheidungen müssen dokumentiert werden, sodass sie bei der Entwicklung referenziert werden können</a:t>
+            </a:r>
+            <a:endParaRPr lang="de-DE" sz="1800" dirty="0">
+              <a:cs typeface="Calibri"/>
+            </a:endParaRPr>
+          </a:p>
+          <a:p>
+            <a:r>
+              <a:rPr lang="de-DE" sz="2200">
+                <a:cs typeface="Calibri"/>
+              </a:rPr>
+              <a:t>Anwendungen müssen, besonders wenn sie über das Internet laufen, stets auf Angriffe und unerwünschte Aktivitäten überwacht werden (A 14.1.2)</a:t>
+            </a:r>
+            <a:endParaRPr lang="de-DE" sz="2200" dirty="0">
+              <a:cs typeface="Calibri"/>
+            </a:endParaRPr>
+          </a:p>
+          <a:p>
+            <a:r>
+              <a:rPr lang="de-DE" sz="2200">
+                <a:cs typeface="Calibri"/>
+              </a:rPr>
+              <a:t>Transaktionen müssen stets auf Richtigkeit und Vollständigkeit geprüft werden</a:t>
+            </a:r>
+            <a:endParaRPr lang="de-DE" sz="2200" dirty="0">
+              <a:cs typeface="Calibri"/>
+            </a:endParaRPr>
+          </a:p>
+          <a:p>
+            <a:pPr lvl="1"/>
+            <a:r>
+              <a:rPr lang="de-DE" sz="1800">
+                <a:cs typeface="Calibri"/>
+              </a:rPr>
+              <a:t>Nutzen von Signaturen zum Schutz</a:t>
+            </a:r>
+            <a:endParaRPr lang="de-DE" sz="1800" dirty="0">
+              <a:cs typeface="Calibri"/>
+            </a:endParaRPr>
+          </a:p>
+          <a:p>
+            <a:r>
+              <a:rPr lang="de-DE" sz="2200">
+                <a:cs typeface="Calibri"/>
+              </a:rPr>
+              <a:t>Testdaten von Software muss sorgfältig ausgewählt, geschützt und kontrolliert, sowie am Ende sicher gelöscht werden (A 14.3.1)</a:t>
+            </a:r>
+            <a:endParaRPr lang="de-DE" sz="2200" dirty="0">
+              <a:cs typeface="Calibri"/>
+            </a:endParaRPr>
+          </a:p>
+          <a:p>
+            <a:r>
+              <a:rPr lang="de-DE" sz="2200">
+                <a:cs typeface="Calibri"/>
+              </a:rPr>
+              <a:t>Für neue Informationssysteme, Upgrades und Versionen müssen Testprogramme und Kriterien festgelegt werden (A 14.2.9)</a:t>
+            </a:r>
+            <a:endParaRPr lang="de-DE" sz="2200" dirty="0">
+              <a:cs typeface="Calibri"/>
+            </a:endParaRPr>
+          </a:p>
+          <a:p>
+            <a:pPr>
+              <a:spcBef>
+                <a:spcPts val="500"/>
+              </a:spcBef>
+            </a:pPr>
+            <a:endParaRPr lang="de-DE" sz="2200" dirty="0">
+              <a:cs typeface="Calibri"/>
+            </a:endParaRPr>
+          </a:p>
+          <a:p>
+            <a:endParaRPr lang="de-DE" sz="2200" dirty="0">
+              <a:cs typeface="Calibri"/>
+            </a:endParaRPr>
+          </a:p>
+        </p:txBody>
+      </p:sp>
+      <p:sp>
+        <p:nvSpPr>
+          <p:cNvPr id="4" name="Fußzeilenplatzhalter 3">
+            <a:extLst>
+              <a:ext uri="{FF2B5EF4-FFF2-40B4-BE49-F238E27FC236}">
+                <a16:creationId xmlns:a16="http://schemas.microsoft.com/office/drawing/2014/main" id="{93AA48CA-F492-49DB-B59B-4D15EAE19CAD}"/>
+              </a:ext>
+            </a:extLst>
+          </p:cNvPr>
+          <p:cNvSpPr>
+            <a:spLocks noGrp="1"/>
+          </p:cNvSpPr>
+          <p:nvPr>
+            <p:ph type="ftr" sz="quarter" idx="11"/>
+          </p:nvPr>
+        </p:nvSpPr>
+        <p:spPr/>
+        <p:txBody>
+          <a:bodyPr/>
+          <a:lstStyle/>
+          <a:p>
+            <a:pPr algn="ctr">
+              <a:defRPr/>
+            </a:pPr>
+            <a:r>
+              <a:rPr lang="de-DE" dirty="0"/>
+              <a:t>WS19/20 – ISO 27001 - Hertel, </a:t>
+            </a:r>
+            <a:r>
+              <a:rPr lang="de-DE" dirty="0" err="1"/>
+              <a:t>Kossendey</a:t>
+            </a:r>
+            <a:r>
+              <a:rPr lang="de-DE" dirty="0"/>
+              <a:t>, Kühnert, Withöft</a:t>
+            </a:r>
+          </a:p>
+        </p:txBody>
+      </p:sp>
+      <p:sp>
+        <p:nvSpPr>
+          <p:cNvPr id="5" name="Foliennummernplatzhalter 4">
+            <a:extLst>
+              <a:ext uri="{FF2B5EF4-FFF2-40B4-BE49-F238E27FC236}">
+                <a16:creationId xmlns:a16="http://schemas.microsoft.com/office/drawing/2014/main" id="{E321841F-6646-4582-AFA4-724A0F2ADEB4}"/>
+              </a:ext>
+            </a:extLst>
+          </p:cNvPr>
+          <p:cNvSpPr>
+            <a:spLocks noGrp="1"/>
+          </p:cNvSpPr>
+          <p:nvPr>
+            <p:ph type="sldNum" sz="quarter" idx="12"/>
+          </p:nvPr>
+        </p:nvSpPr>
+        <p:spPr/>
+        <p:txBody>
+          <a:bodyPr/>
+          <a:lstStyle/>
+          <a:p>
+            <a:fld id="{969E759D-A893-4B96-8B48-96EE547EBC41}" type="slidenum">
+              <a:rPr lang="de-DE" smtClean="0"/>
+              <a:t>12</a:t>
+            </a:fld>
+            <a:endParaRPr lang="de-DE"/>
+          </a:p>
+        </p:txBody>
+      </p:sp>
+    </p:spTree>
+    <p:extLst>
+      <p:ext uri="{BB962C8B-B14F-4D97-AF65-F5344CB8AC3E}">
+        <p14:creationId xmlns:p14="http://schemas.microsoft.com/office/powerpoint/2010/main" val="4065842497"/>
+      </p:ext>
+    </p:extLst>
+  </p:cSld>
+  <p:clrMapOvr>
+    <a:masterClrMapping/>
+  </p:clrMapOvr>
+</p:sld>
+</file>
+
+<file path=ppt/slides/slide13.xml><?xml version="1.0" encoding="utf-8"?>
+<p:sld xmlns:a="http://schemas.openxmlformats.org/drawingml/2006/main" xmlns:r="http://schemas.openxmlformats.org/officeDocument/2006/relationships" xmlns:p="http://schemas.openxmlformats.org/presentationml/2006/main">
+  <p:cSld>
+    <p:spTree>
+      <p:nvGrpSpPr>
+        <p:cNvPr id="1" name=""/>
+        <p:cNvGrpSpPr/>
+        <p:nvPr/>
+      </p:nvGrpSpPr>
+      <p:grpSpPr>
+        <a:xfrm>
+          <a:off x="0" y="0"/>
+          <a:ext cx="0" cy="0"/>
+          <a:chOff x="0" y="0"/>
+          <a:chExt cx="0" cy="0"/>
+        </a:xfrm>
+      </p:grpSpPr>
+      <p:sp>
+        <p:nvSpPr>
+          <p:cNvPr id="2" name="Titel 1">
+            <a:extLst>
+              <a:ext uri="{FF2B5EF4-FFF2-40B4-BE49-F238E27FC236}">
+                <a16:creationId xmlns:a16="http://schemas.microsoft.com/office/drawing/2014/main" id="{F6F555C7-DA05-4F00-B2F0-124F44F33816}"/>
+              </a:ext>
+            </a:extLst>
+          </p:cNvPr>
+          <p:cNvSpPr>
+            <a:spLocks noGrp="1"/>
+          </p:cNvSpPr>
+          <p:nvPr>
+            <p:ph type="title"/>
+          </p:nvPr>
+        </p:nvSpPr>
+        <p:spPr>
+          <a:xfrm>
+            <a:off x="838200" y="365125"/>
+            <a:ext cx="10515600" cy="707497"/>
+          </a:xfrm>
+        </p:spPr>
+        <p:txBody>
+          <a:bodyPr/>
+          <a:lstStyle/>
+          <a:p>
+            <a:r>
+              <a:rPr lang="de-DE" sz="3600">
+                <a:cs typeface="Calibri Light"/>
+              </a:rPr>
+              <a:t>A 14.2 Sichere Entwicklung</a:t>
+            </a:r>
+            <a:endParaRPr lang="de-DE" sz="3600" dirty="0">
+              <a:cs typeface="Calibri Light"/>
+            </a:endParaRPr>
+          </a:p>
+        </p:txBody>
+      </p:sp>
+      <p:sp>
+        <p:nvSpPr>
+          <p:cNvPr id="3" name="Inhaltsplatzhalter 2">
+            <a:extLst>
+              <a:ext uri="{FF2B5EF4-FFF2-40B4-BE49-F238E27FC236}">
+                <a16:creationId xmlns:a16="http://schemas.microsoft.com/office/drawing/2014/main" id="{50D10701-B57E-418B-A100-0397CB483B5B}"/>
+              </a:ext>
+            </a:extLst>
+          </p:cNvPr>
+          <p:cNvSpPr>
+            <a:spLocks noGrp="1"/>
+          </p:cNvSpPr>
+          <p:nvPr>
+            <p:ph idx="1"/>
+          </p:nvPr>
+        </p:nvSpPr>
+        <p:spPr>
+          <a:xfrm>
+            <a:off x="838200" y="1122892"/>
+            <a:ext cx="10515600" cy="5054071"/>
+          </a:xfrm>
+        </p:spPr>
+        <p:txBody>
+          <a:bodyPr vert="horz" lIns="91440" tIns="45720" rIns="91440" bIns="45720" rtlCol="0" anchor="t">
+            <a:normAutofit lnSpcReduction="10000"/>
+          </a:bodyPr>
+          <a:lstStyle/>
+          <a:p>
+            <a:r>
+              <a:rPr lang="de-DE" sz="2200">
+                <a:cs typeface="Calibri"/>
+              </a:rPr>
+              <a:t> Regeln für die Entwicklung von Software und Systemen festgelegen (A 14.2.1)</a:t>
+            </a:r>
+          </a:p>
+          <a:p>
+            <a:pPr lvl="1"/>
+            <a:r>
+              <a:rPr lang="de-DE" sz="1800">
+                <a:cs typeface="Calibri"/>
+              </a:rPr>
+              <a:t>Außerdem müssen Grundsätze sicherer Systeme festgelegt werden (A 14.2.5)</a:t>
+            </a:r>
+            <a:endParaRPr lang="de-DE" sz="1800" dirty="0">
+              <a:cs typeface="Calibri"/>
+            </a:endParaRPr>
+          </a:p>
+          <a:p>
+            <a:r>
+              <a:rPr lang="de-DE" sz="2200">
+                <a:cs typeface="Calibri"/>
+              </a:rPr>
+              <a:t>Alle Änderungen müssen protokolliert werden (A 14.2.2)</a:t>
+            </a:r>
+          </a:p>
+          <a:p>
+            <a:r>
+              <a:rPr lang="de-DE" sz="2200">
+                <a:cs typeface="Calibri"/>
+              </a:rPr>
+              <a:t>Wird die Betriebsplattform geändert, muss getestet werden, dass die Software keine negativen Auswirkungen hat (A 14.2.3)</a:t>
+            </a:r>
+          </a:p>
+          <a:p>
+            <a:r>
+              <a:rPr lang="de-DE" sz="2200">
+                <a:cs typeface="Calibri"/>
+              </a:rPr>
+              <a:t>Gibt es Softwarepakete, müssen diese eingeschränkt werden, um negative Auswirkungen auszuschließen (A 14.2.4)</a:t>
+            </a:r>
+          </a:p>
+          <a:p>
+            <a:r>
+              <a:rPr lang="de-DE" sz="2200">
+                <a:cs typeface="Calibri"/>
+              </a:rPr>
+              <a:t>Die Entwicklungsumgebung muss abgesichert sein, dass keine böswilligen oder versehentlichen Entwicklungen oder Aktualisierungen vorgenommen werden (A 14.2.6)</a:t>
+            </a:r>
+            <a:endParaRPr lang="de-DE" sz="2200" dirty="0">
+              <a:cs typeface="Calibri"/>
+            </a:endParaRPr>
+          </a:p>
+          <a:p>
+            <a:r>
+              <a:rPr lang="de-DE" sz="2200">
+                <a:cs typeface="Calibri"/>
+              </a:rPr>
+              <a:t>Wird die Entwicklung ganz oder teilweise an externe Organisationen vergeben, müssen Sicherheitsanforderungen vertraglich vereinbart werden (A 14.2.7)</a:t>
+            </a:r>
+            <a:endParaRPr lang="de-DE" sz="2200" dirty="0">
+              <a:cs typeface="Calibri"/>
+            </a:endParaRPr>
+          </a:p>
+          <a:p>
+            <a:pPr lvl="1"/>
+            <a:r>
+              <a:rPr lang="de-DE" sz="1800">
+                <a:cs typeface="Calibri"/>
+              </a:rPr>
+              <a:t>Das Einhalten des Vertrages muss geprüft werden</a:t>
+            </a:r>
+            <a:endParaRPr lang="de-DE" sz="1800" dirty="0">
+              <a:cs typeface="Calibri"/>
+            </a:endParaRPr>
+          </a:p>
+          <a:p>
+            <a:r>
+              <a:rPr lang="de-DE" sz="2200">
+                <a:cs typeface="Calibri"/>
+              </a:rPr>
+              <a:t>Die Sicherheitsfunktionalität muss während der Entwicklung getestet und die Ergebnisse dokumentiert werden (A 14.2.8)</a:t>
+            </a:r>
+            <a:endParaRPr lang="de-DE" sz="2200" dirty="0">
+              <a:cs typeface="Calibri"/>
+            </a:endParaRPr>
+          </a:p>
+          <a:p>
+            <a:endParaRPr lang="de-DE" sz="2200" dirty="0">
+              <a:cs typeface="Calibri"/>
+            </a:endParaRPr>
+          </a:p>
+        </p:txBody>
+      </p:sp>
+      <p:sp>
+        <p:nvSpPr>
+          <p:cNvPr id="4" name="Fußzeilenplatzhalter 3">
+            <a:extLst>
+              <a:ext uri="{FF2B5EF4-FFF2-40B4-BE49-F238E27FC236}">
+                <a16:creationId xmlns:a16="http://schemas.microsoft.com/office/drawing/2014/main" id="{611DB103-BEBF-42F1-A334-CB1566269297}"/>
+              </a:ext>
+            </a:extLst>
+          </p:cNvPr>
+          <p:cNvSpPr>
+            <a:spLocks noGrp="1"/>
+          </p:cNvSpPr>
+          <p:nvPr>
+            <p:ph type="ftr" sz="quarter" idx="11"/>
+          </p:nvPr>
+        </p:nvSpPr>
+        <p:spPr/>
+        <p:txBody>
+          <a:bodyPr/>
+          <a:lstStyle/>
+          <a:p>
+            <a:pPr algn="ctr">
+              <a:defRPr/>
+            </a:pPr>
+            <a:r>
+              <a:rPr lang="de-DE" dirty="0"/>
+              <a:t>WS19/20 – ISO 27001 - Hertel, </a:t>
+            </a:r>
+            <a:r>
+              <a:rPr lang="de-DE" dirty="0" err="1"/>
+              <a:t>Kossendey</a:t>
+            </a:r>
+            <a:r>
+              <a:rPr lang="de-DE" dirty="0"/>
+              <a:t>, Kühnert, Withöft</a:t>
+            </a:r>
+          </a:p>
+        </p:txBody>
+      </p:sp>
+      <p:sp>
+        <p:nvSpPr>
+          <p:cNvPr id="5" name="Foliennummernplatzhalter 4">
+            <a:extLst>
+              <a:ext uri="{FF2B5EF4-FFF2-40B4-BE49-F238E27FC236}">
+                <a16:creationId xmlns:a16="http://schemas.microsoft.com/office/drawing/2014/main" id="{33074B08-B2A0-4F47-8319-88017F18398D}"/>
+              </a:ext>
+            </a:extLst>
+          </p:cNvPr>
+          <p:cNvSpPr>
+            <a:spLocks noGrp="1"/>
+          </p:cNvSpPr>
+          <p:nvPr>
+            <p:ph type="sldNum" sz="quarter" idx="12"/>
+          </p:nvPr>
+        </p:nvSpPr>
+        <p:spPr/>
+        <p:txBody>
+          <a:bodyPr/>
+          <a:lstStyle/>
+          <a:p>
+            <a:fld id="{969E759D-A893-4B96-8B48-96EE547EBC41}" type="slidenum">
+              <a:rPr lang="de-DE" smtClean="0"/>
+              <a:t>‹Nr.›</a:t>
+            </a:fld>
+            <a:endParaRPr lang="de-DE"/>
+          </a:p>
+        </p:txBody>
+      </p:sp>
+    </p:spTree>
+    <p:extLst>
+      <p:ext uri="{BB962C8B-B14F-4D97-AF65-F5344CB8AC3E}">
+        <p14:creationId xmlns:p14="http://schemas.microsoft.com/office/powerpoint/2010/main" val="501147802"/>
+      </p:ext>
+    </p:extLst>
+  </p:cSld>
+  <p:clrMapOvr>
+    <a:masterClrMapping/>
+  </p:clrMapOvr>
+</p:sld>
+</file>
+
 <file path=ppt/slides/slide2.xml><?xml version="1.0" encoding="utf-8"?>
 <p:sld xmlns:a="http://schemas.openxmlformats.org/drawingml/2006/main" xmlns:r="http://schemas.openxmlformats.org/officeDocument/2006/relationships" xmlns:p="http://schemas.openxmlformats.org/presentationml/2006/main">
   <p:cSld>
@@ -7368,10 +8650,12 @@
           <a:lstStyle/>
           <a:p>
             <a:r>
-              <a:rPr lang="en-NZ" dirty="0" err="1"/>
-              <a:t>Sicherheitspolitik</a:t>
-            </a:r>
-            <a:endParaRPr lang="en-NZ" dirty="0"/>
+              <a:rPr lang="en-NZ"/>
+              <a:t>A 7 Personalsicherheit</a:t>
+            </a:r>
+            <a:endParaRPr lang="en-NZ">
+              <a:cs typeface="Calibri Light"/>
+            </a:endParaRPr>
           </a:p>
         </p:txBody>
       </p:sp>
@@ -7393,10 +8677,121 @@
         </p:nvSpPr>
         <p:spPr/>
         <p:txBody>
-          <a:bodyPr/>
-          <a:lstStyle/>
-          <a:p>
-            <a:endParaRPr lang="en-NZ" dirty="0"/>
+          <a:bodyPr vert="horz" lIns="91440" tIns="45720" rIns="91440" bIns="45720" rtlCol="0" anchor="t">
+            <a:normAutofit/>
+          </a:bodyPr>
+          <a:lstStyle/>
+          <a:p>
+            <a:r>
+              <a:rPr lang="de-DE" sz="2400">
+                <a:cs typeface="Calibri"/>
+              </a:rPr>
+              <a:t>A 7.1.1  Screening</a:t>
+            </a:r>
+            <a:endParaRPr lang="de-DE" sz="2400" dirty="0">
+              <a:cs typeface="Calibri"/>
+            </a:endParaRPr>
+          </a:p>
+          <a:p>
+            <a:pPr lvl="1"/>
+            <a:r>
+              <a:rPr lang="de-DE" sz="1800">
+                <a:cs typeface="Calibri"/>
+              </a:rPr>
+              <a:t>Überprüfung von Hintergrund und Kompetenzen aller Bewerber</a:t>
+            </a:r>
+          </a:p>
+          <a:p>
+            <a:pPr lvl="1"/>
+            <a:r>
+              <a:rPr lang="de-DE" sz="1800">
+                <a:cs typeface="Calibri"/>
+              </a:rPr>
+              <a:t>Auch Auftragnehmer einbeziehen, außer diese haben eigene ISO27001 Umsetzung</a:t>
+            </a:r>
+          </a:p>
+          <a:p>
+            <a:r>
+              <a:rPr lang="de-DE" sz="2200">
+                <a:cs typeface="Calibri"/>
+              </a:rPr>
+              <a:t>A 7.1.2 Beschäftigungsbedingungen</a:t>
+            </a:r>
+          </a:p>
+          <a:p>
+            <a:r>
+              <a:rPr lang="de-DE" sz="2200">
+                <a:cs typeface="Calibri"/>
+              </a:rPr>
+              <a:t>A 7.2.1 Verantwortlichkeiten des Management</a:t>
+            </a:r>
+          </a:p>
+          <a:p>
+            <a:pPr lvl="1"/>
+            <a:r>
+              <a:rPr lang="de-DE" sz="1800">
+                <a:cs typeface="Calibri"/>
+              </a:rPr>
+              <a:t>Angestellte verstehen, wo Sicherheitslücken und Bedrohungen entstehen können</a:t>
+            </a:r>
+          </a:p>
+          <a:p>
+            <a:pPr lvl="1"/>
+            <a:r>
+              <a:rPr lang="de-DE" sz="1800">
+                <a:ea typeface="+mn-lt"/>
+                <a:cs typeface="+mn-lt"/>
+              </a:rPr>
+              <a:t>Verhinderung und Schadenseingrenzung durch regelmäßige Schulungen (A 7.2.2)</a:t>
+            </a:r>
+            <a:endParaRPr lang="de-DE" sz="1800" dirty="0">
+              <a:ea typeface="+mn-lt"/>
+              <a:cs typeface="+mn-lt"/>
+            </a:endParaRPr>
+          </a:p>
+          <a:p>
+            <a:r>
+              <a:rPr lang="de-DE" sz="2200">
+                <a:cs typeface="Calibri"/>
+              </a:rPr>
+              <a:t>A 7.2.3 Disziplinarverfahren</a:t>
+            </a:r>
+          </a:p>
+          <a:p>
+            <a:r>
+              <a:rPr lang="de-DE" sz="2200">
+                <a:cs typeface="Calibri"/>
+              </a:rPr>
+              <a:t>A 7.3.1 </a:t>
+            </a:r>
+            <a:r>
+              <a:rPr lang="de-DE" sz="2200">
+                <a:ea typeface="+mn-lt"/>
+                <a:cs typeface="+mn-lt"/>
+              </a:rPr>
+              <a:t>Beendigung oder Änderung von Arbeitsverhältnissen</a:t>
+            </a:r>
+          </a:p>
+          <a:p>
+            <a:pPr lvl="1"/>
+            <a:r>
+              <a:rPr lang="de-DE" sz="1800">
+                <a:cs typeface="Calibri"/>
+              </a:rPr>
+              <a:t>Informationen bleiben vertraulich</a:t>
+            </a:r>
+          </a:p>
+          <a:p>
+            <a:pPr lvl="1"/>
+            <a:r>
+              <a:rPr lang="de-DE" sz="1800">
+                <a:cs typeface="Calibri"/>
+              </a:rPr>
+              <a:t>Nach Wechsel hat der Mitarbeiter nur noch Zugriff auf Daten, die er in der neuen Position auch braucht</a:t>
+            </a:r>
+            <a:endParaRPr lang="de-DE" sz="1800" dirty="0">
+              <a:cs typeface="Calibri"/>
+            </a:endParaRPr>
           </a:p>
         </p:txBody>
       </p:sp>
@@ -7465,6 +8860,220 @@
     <p:extLst>
       <p:ext uri="{BB962C8B-B14F-4D97-AF65-F5344CB8AC3E}">
         <p14:creationId xmlns:p14="http://schemas.microsoft.com/office/powerpoint/2010/main" val="1597989395"/>
+      </p:ext>
+    </p:extLst>
+  </p:cSld>
+  <p:clrMapOvr>
+    <a:masterClrMapping/>
+  </p:clrMapOvr>
+</p:sld>
+</file>
+
+<file path=ppt/slides/slide9.xml><?xml version="1.0" encoding="utf-8"?>
+<p:sld xmlns:a="http://schemas.openxmlformats.org/drawingml/2006/main" xmlns:r="http://schemas.openxmlformats.org/officeDocument/2006/relationships" xmlns:p="http://schemas.openxmlformats.org/presentationml/2006/main">
+  <p:cSld>
+    <p:spTree>
+      <p:nvGrpSpPr>
+        <p:cNvPr id="1" name=""/>
+        <p:cNvGrpSpPr/>
+        <p:nvPr/>
+      </p:nvGrpSpPr>
+      <p:grpSpPr>
+        <a:xfrm>
+          <a:off x="0" y="0"/>
+          <a:ext cx="0" cy="0"/>
+          <a:chOff x="0" y="0"/>
+          <a:chExt cx="0" cy="0"/>
+        </a:xfrm>
+      </p:grpSpPr>
+      <p:sp>
+        <p:nvSpPr>
+          <p:cNvPr id="2" name="Titel 1">
+            <a:extLst>
+              <a:ext uri="{FF2B5EF4-FFF2-40B4-BE49-F238E27FC236}">
+                <a16:creationId xmlns:a16="http://schemas.microsoft.com/office/drawing/2014/main" id="{9F7D2547-604B-4389-8A1D-613AC68A82E9}"/>
+              </a:ext>
+            </a:extLst>
+          </p:cNvPr>
+          <p:cNvSpPr>
+            <a:spLocks noGrp="1"/>
+          </p:cNvSpPr>
+          <p:nvPr>
+            <p:ph type="title"/>
+          </p:nvPr>
+        </p:nvSpPr>
+        <p:spPr/>
+        <p:txBody>
+          <a:bodyPr/>
+          <a:lstStyle/>
+          <a:p>
+            <a:r>
+              <a:rPr lang="en-NZ">
+                <a:ea typeface="+mj-lt"/>
+                <a:cs typeface="+mj-lt"/>
+              </a:rPr>
+              <a:t>A 10 Kryptografie</a:t>
+            </a:r>
+          </a:p>
+        </p:txBody>
+      </p:sp>
+      <p:sp>
+        <p:nvSpPr>
+          <p:cNvPr id="3" name="Inhaltsplatzhalter 2">
+            <a:extLst>
+              <a:ext uri="{FF2B5EF4-FFF2-40B4-BE49-F238E27FC236}">
+                <a16:creationId xmlns:a16="http://schemas.microsoft.com/office/drawing/2014/main" id="{A8E7FF63-F6F1-45BD-ADF9-39AA864C692C}"/>
+              </a:ext>
+            </a:extLst>
+          </p:cNvPr>
+          <p:cNvSpPr>
+            <a:spLocks noGrp="1"/>
+          </p:cNvSpPr>
+          <p:nvPr>
+            <p:ph idx="1"/>
+          </p:nvPr>
+        </p:nvSpPr>
+        <p:spPr/>
+        <p:txBody>
+          <a:bodyPr vert="horz" lIns="91440" tIns="45720" rIns="91440" bIns="45720" rtlCol="0" anchor="t">
+            <a:normAutofit/>
+          </a:bodyPr>
+          <a:lstStyle/>
+          <a:p>
+            <a:r>
+              <a:rPr lang="de-DE" sz="2400">
+                <a:cs typeface="Calibri"/>
+              </a:rPr>
+              <a:t>A 10.1.1 Benutzung und Auswahl von Kryptografie</a:t>
+            </a:r>
+          </a:p>
+          <a:p>
+            <a:pPr lvl="1"/>
+            <a:r>
+              <a:rPr lang="de-DE" sz="2000">
+                <a:cs typeface="Calibri"/>
+              </a:rPr>
+              <a:t>Richtlinien zur Anwendung von Verschlüsselungen</a:t>
+            </a:r>
+          </a:p>
+          <a:p>
+            <a:pPr lvl="1"/>
+            <a:r>
+              <a:rPr lang="de-DE" sz="2000">
+                <a:cs typeface="Calibri"/>
+              </a:rPr>
+              <a:t>Verwaltung und Aufbewahrung von Schlüsseln und Zertifikaten</a:t>
+            </a:r>
+          </a:p>
+          <a:p>
+            <a:r>
+              <a:rPr lang="de-DE" sz="2400">
+                <a:cs typeface="Calibri"/>
+              </a:rPr>
+              <a:t>A 10.1.2 Schlüsselverwaltung</a:t>
+            </a:r>
+          </a:p>
+          <a:p>
+            <a:pPr lvl="1"/>
+            <a:r>
+              <a:rPr lang="de-DE" sz="2000">
+                <a:cs typeface="Calibri"/>
+              </a:rPr>
+              <a:t>Verwaltung von Schlüsselmaterial oft der schwächste Punkt von Verschlüsselung</a:t>
+            </a:r>
+          </a:p>
+          <a:p>
+            <a:pPr lvl="1"/>
+            <a:r>
+              <a:rPr lang="de-DE" sz="2000">
+                <a:cs typeface="Calibri"/>
+              </a:rPr>
+              <a:t>Richtlinien zur Erstellung, Verteilung, Änderung, Sicherung und Speicherung</a:t>
+            </a:r>
+          </a:p>
+          <a:p>
+            <a:pPr lvl="2"/>
+            <a:r>
+              <a:rPr lang="de-DE" sz="1600">
+                <a:cs typeface="Calibri"/>
+              </a:rPr>
+              <a:t>Lebensdauer von Schlüsseln festlegen</a:t>
+            </a:r>
+          </a:p>
+        </p:txBody>
+      </p:sp>
+      <p:sp>
+        <p:nvSpPr>
+          <p:cNvPr id="4" name="Fußzeilenplatzhalter 3">
+            <a:extLst>
+              <a:ext uri="{FF2B5EF4-FFF2-40B4-BE49-F238E27FC236}">
+                <a16:creationId xmlns:a16="http://schemas.microsoft.com/office/drawing/2014/main" id="{B4B4F4F9-8C88-4F9E-84DE-C6F821E6FC8C}"/>
+              </a:ext>
+            </a:extLst>
+          </p:cNvPr>
+          <p:cNvSpPr>
+            <a:spLocks noGrp="1"/>
+          </p:cNvSpPr>
+          <p:nvPr>
+            <p:ph type="ftr" sz="quarter" idx="11"/>
+          </p:nvPr>
+        </p:nvSpPr>
+        <p:spPr/>
+        <p:txBody>
+          <a:bodyPr/>
+          <a:lstStyle/>
+          <a:p>
+            <a:pPr algn="ctr">
+              <a:defRPr/>
+            </a:pPr>
+            <a:r>
+              <a:rPr lang="de-DE" dirty="0"/>
+              <a:t>WS19/20 – ISO 27001 - Hertel, </a:t>
+            </a:r>
+            <a:r>
+              <a:rPr lang="de-DE" dirty="0" err="1"/>
+              <a:t>Kossendey</a:t>
+            </a:r>
+            <a:r>
+              <a:rPr lang="de-DE" dirty="0"/>
+              <a:t>, Kühnert, Withöft</a:t>
+            </a:r>
+          </a:p>
+        </p:txBody>
+      </p:sp>
+      <p:sp>
+        <p:nvSpPr>
+          <p:cNvPr id="5" name="Foliennummernplatzhalter 4">
+            <a:extLst>
+              <a:ext uri="{FF2B5EF4-FFF2-40B4-BE49-F238E27FC236}">
+                <a16:creationId xmlns:a16="http://schemas.microsoft.com/office/drawing/2014/main" id="{5BA7DECF-706F-4387-8A02-03714CED7909}"/>
+              </a:ext>
+            </a:extLst>
+          </p:cNvPr>
+          <p:cNvSpPr>
+            <a:spLocks noGrp="1"/>
+          </p:cNvSpPr>
+          <p:nvPr>
+            <p:ph type="sldNum" sz="quarter" idx="12"/>
+          </p:nvPr>
+        </p:nvSpPr>
+        <p:spPr/>
+        <p:txBody>
+          <a:bodyPr/>
+          <a:lstStyle/>
+          <a:p>
+            <a:fld id="{969E759D-A893-4B96-8B48-96EE547EBC41}" type="slidenum">
+              <a:rPr lang="de-DE" smtClean="0"/>
+              <a:t>9</a:t>
+            </a:fld>
+            <a:endParaRPr lang="de-DE"/>
+          </a:p>
+        </p:txBody>
+      </p:sp>
+    </p:spTree>
+    <p:extLst>
+      <p:ext uri="{BB962C8B-B14F-4D97-AF65-F5344CB8AC3E}">
+        <p14:creationId xmlns:p14="http://schemas.microsoft.com/office/powerpoint/2010/main" val="4132068149"/>
       </p:ext>
     </p:extLst>
   </p:cSld>
